--- a/schedule/チーム企画書.pptx
+++ b/schedule/チーム企画書.pptx
@@ -7,13 +7,14 @@
   </p:sldMasterIdLst>
   <p:sldIdLst>
     <p:sldId id="264" r:id="rId3"/>
-    <p:sldId id="261" r:id="rId4"/>
-    <p:sldId id="256" r:id="rId5"/>
-    <p:sldId id="257" r:id="rId6"/>
-    <p:sldId id="262" r:id="rId7"/>
-    <p:sldId id="258" r:id="rId8"/>
-    <p:sldId id="260" r:id="rId9"/>
-    <p:sldId id="263" r:id="rId10"/>
+    <p:sldId id="265" r:id="rId4"/>
+    <p:sldId id="261" r:id="rId5"/>
+    <p:sldId id="256" r:id="rId6"/>
+    <p:sldId id="257" r:id="rId7"/>
+    <p:sldId id="262" r:id="rId8"/>
+    <p:sldId id="258" r:id="rId9"/>
+    <p:sldId id="260" r:id="rId10"/>
+    <p:sldId id="263" r:id="rId11"/>
   </p:sldIdLst>
   <p:sldSz cx="12192000" cy="6858000"/>
   <p:notesSz cx="6858000" cy="9144000"/>
@@ -9647,6 +9648,66 @@
           <a:chExt cx="0" cy="0"/>
         </a:xfrm>
       </p:grpSpPr>
+      <p:pic>
+        <p:nvPicPr>
+          <p:cNvPr id="4" name="図 3"/>
+          <p:cNvPicPr>
+            <a:picLocks noChangeAspect="1"/>
+          </p:cNvPicPr>
+          <p:nvPr/>
+        </p:nvPicPr>
+        <p:blipFill>
+          <a:blip r:embed="rId2">
+            <a:extLst>
+              <a:ext uri="{28A0092B-C50C-407E-A947-70E740481C1C}">
+                <a14:useLocalDpi xmlns:a14="http://schemas.microsoft.com/office/drawing/2010/main" val="0"/>
+              </a:ext>
+            </a:extLst>
+          </a:blip>
+          <a:stretch>
+            <a:fillRect/>
+          </a:stretch>
+        </p:blipFill>
+        <p:spPr>
+          <a:xfrm>
+            <a:off x="1488559" y="833991"/>
+            <a:ext cx="8878186" cy="4993980"/>
+          </a:xfrm>
+          <a:prstGeom prst="rect">
+            <a:avLst/>
+          </a:prstGeom>
+        </p:spPr>
+      </p:pic>
+    </p:spTree>
+    <p:extLst>
+      <p:ext uri="{BB962C8B-B14F-4D97-AF65-F5344CB8AC3E}">
+        <p14:creationId xmlns:p14="http://schemas.microsoft.com/office/powerpoint/2010/main" val="81595168"/>
+      </p:ext>
+    </p:extLst>
+  </p:cSld>
+  <p:clrMapOvr>
+    <a:masterClrMapping/>
+  </p:clrMapOvr>
+</p:sld>
+</file>
+
+<file path=ppt/slides/slide3.xml><?xml version="1.0" encoding="utf-8"?>
+<p:sld xmlns:a="http://schemas.openxmlformats.org/drawingml/2006/main" xmlns:r="http://schemas.openxmlformats.org/officeDocument/2006/relationships" xmlns:p="http://schemas.openxmlformats.org/presentationml/2006/main">
+  <p:cSld>
+    <p:spTree>
+      <p:nvGrpSpPr>
+        <p:cNvPr id="1" name=""/>
+        <p:cNvGrpSpPr/>
+        <p:nvPr/>
+      </p:nvGrpSpPr>
+      <p:grpSpPr>
+        <a:xfrm>
+          <a:off x="0" y="0"/>
+          <a:ext cx="0" cy="0"/>
+          <a:chOff x="0" y="0"/>
+          <a:chExt cx="0" cy="0"/>
+        </a:xfrm>
+      </p:grpSpPr>
       <p:sp>
         <p:nvSpPr>
           <p:cNvPr id="2" name="タイトル 1"/>
@@ -9810,20 +9871,7 @@
                   </a:outerShdw>
                 </a:effectLst>
               </a:rPr>
-              <a:t>おかし</a:t>
-            </a:r>
-            <a:r>
-              <a:rPr kumimoji="1" lang="ja-JP" altLang="en-US" sz="2800" dirty="0" smtClean="0">
-                <a:ln w="0"/>
-                <a:effectLst>
-                  <a:outerShdw blurRad="38100" dist="19050" dir="2700000" algn="tl" rotWithShape="0">
-                    <a:schemeClr val="dk1">
-                      <a:alpha val="40000"/>
-                    </a:schemeClr>
-                  </a:outerShdw>
-                </a:effectLst>
-              </a:rPr>
-              <a:t>を求めて</a:t>
+              <a:t>おかしを求めて</a:t>
             </a:r>
             <a:r>
               <a:rPr kumimoji="1" lang="ja-JP" altLang="en-US" sz="2000" dirty="0" smtClean="0">
@@ -10592,326 +10640,6 @@
 </p:sld>
 </file>
 
-<file path=ppt/slides/slide3.xml><?xml version="1.0" encoding="utf-8"?>
-<p:sld xmlns:a="http://schemas.openxmlformats.org/drawingml/2006/main" xmlns:r="http://schemas.openxmlformats.org/officeDocument/2006/relationships" xmlns:p="http://schemas.openxmlformats.org/presentationml/2006/main">
-  <p:cSld>
-    <p:spTree>
-      <p:nvGrpSpPr>
-        <p:cNvPr id="1" name=""/>
-        <p:cNvGrpSpPr/>
-        <p:nvPr/>
-      </p:nvGrpSpPr>
-      <p:grpSpPr>
-        <a:xfrm>
-          <a:off x="0" y="0"/>
-          <a:ext cx="0" cy="0"/>
-          <a:chOff x="0" y="0"/>
-          <a:chExt cx="0" cy="0"/>
-        </a:xfrm>
-      </p:grpSpPr>
-      <p:sp>
-        <p:nvSpPr>
-          <p:cNvPr id="2" name="タイトル 1"/>
-          <p:cNvSpPr>
-            <a:spLocks noGrp="1"/>
-          </p:cNvSpPr>
-          <p:nvPr>
-            <p:ph type="title"/>
-          </p:nvPr>
-        </p:nvSpPr>
-        <p:spPr/>
-        <p:txBody>
-          <a:bodyPr/>
-          <a:lstStyle/>
-          <a:p>
-            <a:r>
-              <a:rPr lang="ja-JP" altLang="en-US" dirty="0">
-                <a:solidFill>
-                  <a:srgbClr val="FFC000"/>
-                </a:solidFill>
-              </a:rPr>
-              <a:t>コンセプト</a:t>
-            </a:r>
-            <a:endParaRPr kumimoji="1" lang="ja-JP" altLang="en-US" dirty="0">
-              <a:solidFill>
-                <a:srgbClr val="FFC000"/>
-              </a:solidFill>
-            </a:endParaRPr>
-          </a:p>
-        </p:txBody>
-      </p:sp>
-      <p:sp>
-        <p:nvSpPr>
-          <p:cNvPr id="3" name="サブタイトル 2"/>
-          <p:cNvSpPr>
-            <a:spLocks noGrp="1"/>
-          </p:cNvSpPr>
-          <p:nvPr>
-            <p:ph idx="1"/>
-          </p:nvPr>
-        </p:nvSpPr>
-        <p:spPr>
-          <a:xfrm>
-            <a:off x="610136" y="1416107"/>
-            <a:ext cx="9440697" cy="1393036"/>
-          </a:xfrm>
-        </p:spPr>
-        <p:txBody>
-          <a:bodyPr>
-            <a:noAutofit/>
-          </a:bodyPr>
-          <a:lstStyle/>
-          <a:p>
-            <a:pPr marL="0" indent="0">
-              <a:buNone/>
-            </a:pPr>
-            <a:r>
-              <a:rPr lang="ja-JP" altLang="en-US" sz="4400" dirty="0"/>
-              <a:t>イヌ</a:t>
-            </a:r>
-            <a:r>
-              <a:rPr kumimoji="1" lang="ja-JP" altLang="en-US" sz="4400" dirty="0" smtClean="0"/>
-              <a:t>とネコが家の主を争いあうシューティングゲーム</a:t>
-            </a:r>
-            <a:endParaRPr kumimoji="1" lang="ja-JP" altLang="en-US" sz="4400" dirty="0"/>
-          </a:p>
-        </p:txBody>
-      </p:sp>
-      <p:sp>
-        <p:nvSpPr>
-          <p:cNvPr id="4" name="テキスト ボックス 3"/>
-          <p:cNvSpPr txBox="1"/>
-          <p:nvPr/>
-        </p:nvSpPr>
-        <p:spPr>
-          <a:xfrm>
-            <a:off x="588963" y="3170439"/>
-            <a:ext cx="1163781" cy="400110"/>
-          </a:xfrm>
-          <a:prstGeom prst="rect">
-            <a:avLst/>
-          </a:prstGeom>
-          <a:noFill/>
-        </p:spPr>
-        <p:txBody>
-          <a:bodyPr wrap="square" rtlCol="0">
-            <a:spAutoFit/>
-          </a:bodyPr>
-          <a:lstStyle/>
-          <a:p>
-            <a:r>
-              <a:rPr lang="en-US" altLang="ja-JP" sz="2000" dirty="0" smtClean="0"/>
-              <a:t>Point1</a:t>
-            </a:r>
-          </a:p>
-        </p:txBody>
-      </p:sp>
-      <p:sp>
-        <p:nvSpPr>
-          <p:cNvPr id="5" name="テキスト ボックス 4"/>
-          <p:cNvSpPr txBox="1"/>
-          <p:nvPr/>
-        </p:nvSpPr>
-        <p:spPr>
-          <a:xfrm>
-            <a:off x="1752744" y="3170439"/>
-            <a:ext cx="10282844" cy="584775"/>
-          </a:xfrm>
-          <a:prstGeom prst="rect">
-            <a:avLst/>
-          </a:prstGeom>
-          <a:noFill/>
-        </p:spPr>
-        <p:txBody>
-          <a:bodyPr wrap="square" rtlCol="0">
-            <a:spAutoFit/>
-          </a:bodyPr>
-          <a:lstStyle/>
-          <a:p>
-            <a:r>
-              <a:rPr kumimoji="1" lang="ja-JP" altLang="en-US" sz="1600" dirty="0"/>
-              <a:t>舞台</a:t>
-            </a:r>
-            <a:r>
-              <a:rPr kumimoji="1" lang="ja-JP" altLang="en-US" sz="1600" dirty="0" smtClean="0"/>
-              <a:t>は自分達の住処</a:t>
-            </a:r>
-            <a:endParaRPr kumimoji="1" lang="en-US" altLang="ja-JP" sz="1600" dirty="0" smtClean="0"/>
-          </a:p>
-          <a:p>
-            <a:r>
-              <a:rPr kumimoji="1" lang="ja-JP" altLang="en-US" sz="1600" dirty="0" smtClean="0"/>
-              <a:t>～家の家具をうまく利用して戦え！～</a:t>
-            </a:r>
-            <a:endParaRPr kumimoji="1" lang="ja-JP" altLang="en-US" sz="1600" dirty="0"/>
-          </a:p>
-        </p:txBody>
-      </p:sp>
-      <p:sp>
-        <p:nvSpPr>
-          <p:cNvPr id="6" name="テキスト ボックス 5"/>
-          <p:cNvSpPr txBox="1"/>
-          <p:nvPr/>
-        </p:nvSpPr>
-        <p:spPr>
-          <a:xfrm>
-            <a:off x="588963" y="4162677"/>
-            <a:ext cx="1163781" cy="400110"/>
-          </a:xfrm>
-          <a:prstGeom prst="rect">
-            <a:avLst/>
-          </a:prstGeom>
-          <a:noFill/>
-        </p:spPr>
-        <p:txBody>
-          <a:bodyPr wrap="square" rtlCol="0">
-            <a:spAutoFit/>
-          </a:bodyPr>
-          <a:lstStyle/>
-          <a:p>
-            <a:r>
-              <a:rPr lang="en-US" altLang="ja-JP" sz="2000" dirty="0" smtClean="0"/>
-              <a:t>Point2</a:t>
-            </a:r>
-          </a:p>
-        </p:txBody>
-      </p:sp>
-      <p:sp>
-        <p:nvSpPr>
-          <p:cNvPr id="7" name="テキスト ボックス 6"/>
-          <p:cNvSpPr txBox="1"/>
-          <p:nvPr/>
-        </p:nvSpPr>
-        <p:spPr>
-          <a:xfrm>
-            <a:off x="1752744" y="4178066"/>
-            <a:ext cx="10282844" cy="584775"/>
-          </a:xfrm>
-          <a:prstGeom prst="rect">
-            <a:avLst/>
-          </a:prstGeom>
-          <a:noFill/>
-        </p:spPr>
-        <p:txBody>
-          <a:bodyPr wrap="square" rtlCol="0">
-            <a:spAutoFit/>
-          </a:bodyPr>
-          <a:lstStyle/>
-          <a:p>
-            <a:r>
-              <a:rPr kumimoji="1" lang="ja-JP" altLang="en-US" sz="1600" dirty="0" smtClean="0"/>
-              <a:t>鍵を握るのはマップ上にあるショップ</a:t>
-            </a:r>
-            <a:endParaRPr kumimoji="1" lang="en-US" altLang="ja-JP" sz="1600" dirty="0" smtClean="0"/>
-          </a:p>
-          <a:p>
-            <a:r>
-              <a:rPr kumimoji="1" lang="ja-JP" altLang="en-US" sz="1600" dirty="0" smtClean="0"/>
-              <a:t>～ショップは武器やアイテムを購入できる～</a:t>
-            </a:r>
-            <a:endParaRPr kumimoji="1" lang="ja-JP" altLang="en-US" sz="1600" dirty="0"/>
-          </a:p>
-        </p:txBody>
-      </p:sp>
-      <p:sp>
-        <p:nvSpPr>
-          <p:cNvPr id="8" name="テキスト ボックス 7"/>
-          <p:cNvSpPr txBox="1"/>
-          <p:nvPr/>
-        </p:nvSpPr>
-        <p:spPr>
-          <a:xfrm>
-            <a:off x="588962" y="5154915"/>
-            <a:ext cx="1163781" cy="400110"/>
-          </a:xfrm>
-          <a:prstGeom prst="rect">
-            <a:avLst/>
-          </a:prstGeom>
-          <a:noFill/>
-        </p:spPr>
-        <p:txBody>
-          <a:bodyPr wrap="square" rtlCol="0">
-            <a:spAutoFit/>
-          </a:bodyPr>
-          <a:lstStyle/>
-          <a:p>
-            <a:r>
-              <a:rPr lang="en-US" altLang="ja-JP" sz="2000" dirty="0" smtClean="0"/>
-              <a:t>Point3</a:t>
-            </a:r>
-          </a:p>
-        </p:txBody>
-      </p:sp>
-      <p:sp>
-        <p:nvSpPr>
-          <p:cNvPr id="9" name="テキスト ボックス 8"/>
-          <p:cNvSpPr txBox="1"/>
-          <p:nvPr/>
-        </p:nvSpPr>
-        <p:spPr>
-          <a:xfrm>
-            <a:off x="1752743" y="5154915"/>
-            <a:ext cx="10282844" cy="584775"/>
-          </a:xfrm>
-          <a:prstGeom prst="rect">
-            <a:avLst/>
-          </a:prstGeom>
-          <a:noFill/>
-        </p:spPr>
-        <p:txBody>
-          <a:bodyPr wrap="square" rtlCol="0">
-            <a:spAutoFit/>
-          </a:bodyPr>
-          <a:lstStyle/>
-          <a:p>
-            <a:r>
-              <a:rPr kumimoji="1" lang="en-US" altLang="ja-JP" sz="1600" dirty="0" smtClean="0"/>
-              <a:t>2</a:t>
-            </a:r>
-            <a:r>
-              <a:rPr kumimoji="1" lang="ja-JP" altLang="en-US" sz="1600" dirty="0" smtClean="0"/>
-              <a:t>対</a:t>
-            </a:r>
-            <a:r>
-              <a:rPr kumimoji="1" lang="en-US" altLang="ja-JP" sz="1600" dirty="0" smtClean="0"/>
-              <a:t>2</a:t>
-            </a:r>
-            <a:r>
-              <a:rPr kumimoji="1" lang="ja-JP" altLang="en-US" sz="1600" dirty="0" smtClean="0"/>
-              <a:t>の協力戦</a:t>
-            </a:r>
-            <a:endParaRPr kumimoji="1" lang="en-US" altLang="ja-JP" sz="1600" dirty="0" smtClean="0"/>
-          </a:p>
-          <a:p>
-            <a:r>
-              <a:rPr kumimoji="1" lang="ja-JP" altLang="en-US" sz="1600" dirty="0" smtClean="0"/>
-              <a:t>～</a:t>
-            </a:r>
-            <a:r>
-              <a:rPr kumimoji="1" lang="en-US" altLang="ja-JP" sz="1600" dirty="0" smtClean="0"/>
-              <a:t>2</a:t>
-            </a:r>
-            <a:r>
-              <a:rPr kumimoji="1" lang="ja-JP" altLang="en-US" sz="1600" dirty="0" smtClean="0"/>
-              <a:t>匹で共に戦いながら生き延びろ～</a:t>
-            </a:r>
-            <a:endParaRPr kumimoji="1" lang="ja-JP" altLang="en-US" sz="1600" dirty="0"/>
-          </a:p>
-        </p:txBody>
-      </p:sp>
-    </p:spTree>
-    <p:extLst>
-      <p:ext uri="{BB962C8B-B14F-4D97-AF65-F5344CB8AC3E}">
-        <p14:creationId xmlns:p14="http://schemas.microsoft.com/office/powerpoint/2010/main" val="1889411587"/>
-      </p:ext>
-    </p:extLst>
-  </p:cSld>
-  <p:clrMapOvr>
-    <a:masterClrMapping/>
-  </p:clrMapOvr>
-</p:sld>
-</file>
-
 <file path=ppt/slides/slide4.xml><?xml version="1.0" encoding="utf-8"?>
 <p:sld xmlns:a="http://schemas.openxmlformats.org/drawingml/2006/main" xmlns:r="http://schemas.openxmlformats.org/officeDocument/2006/relationships" xmlns:p="http://schemas.openxmlformats.org/presentationml/2006/main">
   <p:cSld>
@@ -10945,16 +10673,24 @@
           <a:lstStyle/>
           <a:p>
             <a:r>
-              <a:rPr kumimoji="1" lang="ja-JP" altLang="en-US" dirty="0" smtClean="0"/>
-              <a:t>世界観とゲームの目的</a:t>
-            </a:r>
-            <a:endParaRPr kumimoji="1" lang="ja-JP" altLang="en-US" dirty="0"/>
-          </a:p>
-        </p:txBody>
-      </p:sp>
-      <p:sp>
-        <p:nvSpPr>
-          <p:cNvPr id="3" name="コンテンツ プレースホルダー 2"/>
+              <a:rPr lang="ja-JP" altLang="en-US" dirty="0">
+                <a:solidFill>
+                  <a:srgbClr val="FFC000"/>
+                </a:solidFill>
+              </a:rPr>
+              <a:t>コンセプト</a:t>
+            </a:r>
+            <a:endParaRPr kumimoji="1" lang="ja-JP" altLang="en-US" dirty="0">
+              <a:solidFill>
+                <a:srgbClr val="FFC000"/>
+              </a:solidFill>
+            </a:endParaRPr>
+          </a:p>
+        </p:txBody>
+      </p:sp>
+      <p:sp>
+        <p:nvSpPr>
+          <p:cNvPr id="3" name="サブタイトル 2"/>
           <p:cNvSpPr>
             <a:spLocks noGrp="1"/>
           </p:cNvSpPr>
@@ -10964,8 +10700,8 @@
         </p:nvSpPr>
         <p:spPr>
           <a:xfrm>
-            <a:off x="875201" y="2351768"/>
-            <a:ext cx="8946541" cy="2603003"/>
+            <a:off x="610136" y="1416107"/>
+            <a:ext cx="9440697" cy="1393036"/>
           </a:xfrm>
         </p:spPr>
         <p:txBody>
@@ -10974,9 +10710,305 @@
           </a:bodyPr>
           <a:lstStyle/>
           <a:p>
+            <a:pPr marL="0" indent="0">
+              <a:buNone/>
+            </a:pPr>
+            <a:r>
+              <a:rPr kumimoji="1" lang="ja-JP" altLang="en-US" sz="4400" dirty="0" smtClean="0"/>
+              <a:t>かわいい世界観で、普段ゲームしない人でも簡単に遊べるゲーム</a:t>
+            </a:r>
+            <a:endParaRPr kumimoji="1" lang="ja-JP" altLang="en-US" sz="4400" dirty="0"/>
+          </a:p>
+        </p:txBody>
+      </p:sp>
+      <p:sp>
+        <p:nvSpPr>
+          <p:cNvPr id="4" name="テキスト ボックス 3"/>
+          <p:cNvSpPr txBox="1"/>
+          <p:nvPr/>
+        </p:nvSpPr>
+        <p:spPr>
+          <a:xfrm>
+            <a:off x="588963" y="3170439"/>
+            <a:ext cx="1163781" cy="461665"/>
+          </a:xfrm>
+          <a:prstGeom prst="rect">
+            <a:avLst/>
+          </a:prstGeom>
+          <a:noFill/>
+        </p:spPr>
+        <p:txBody>
+          <a:bodyPr wrap="square" rtlCol="0">
+            <a:spAutoFit/>
+          </a:bodyPr>
+          <a:lstStyle/>
+          <a:p>
+            <a:r>
+              <a:rPr lang="en-US" altLang="ja-JP" sz="2400" dirty="0" smtClean="0"/>
+              <a:t>Point1</a:t>
+            </a:r>
+          </a:p>
+        </p:txBody>
+      </p:sp>
+      <p:sp>
+        <p:nvSpPr>
+          <p:cNvPr id="5" name="テキスト ボックス 4"/>
+          <p:cNvSpPr txBox="1"/>
+          <p:nvPr/>
+        </p:nvSpPr>
+        <p:spPr>
+          <a:xfrm>
+            <a:off x="1752743" y="3093494"/>
+            <a:ext cx="10282844" cy="646331"/>
+          </a:xfrm>
+          <a:prstGeom prst="rect">
+            <a:avLst/>
+          </a:prstGeom>
+          <a:noFill/>
+        </p:spPr>
+        <p:txBody>
+          <a:bodyPr wrap="square" rtlCol="0">
+            <a:spAutoFit/>
+          </a:bodyPr>
+          <a:lstStyle/>
+          <a:p>
+            <a:r>
+              <a:rPr kumimoji="1" lang="ja-JP" altLang="en-US" sz="2000" dirty="0" smtClean="0"/>
+              <a:t>舞台は家</a:t>
+            </a:r>
+            <a:endParaRPr kumimoji="1" lang="en-US" altLang="ja-JP" sz="2000" dirty="0" smtClean="0"/>
+          </a:p>
+          <a:p>
+            <a:r>
+              <a:rPr kumimoji="1" lang="ja-JP" altLang="en-US" sz="1600" dirty="0" smtClean="0"/>
+              <a:t>～目的地</a:t>
+            </a:r>
+            <a:r>
+              <a:rPr kumimoji="1" lang="ja-JP" altLang="en-US" sz="1600" dirty="0"/>
+              <a:t>のお菓子のところ</a:t>
+            </a:r>
+            <a:r>
+              <a:rPr kumimoji="1" lang="ja-JP" altLang="en-US" sz="1600" dirty="0" smtClean="0"/>
+              <a:t>まで行け！～</a:t>
+            </a:r>
+            <a:endParaRPr kumimoji="1" lang="en-US" altLang="ja-JP" sz="1600" dirty="0"/>
+          </a:p>
+        </p:txBody>
+      </p:sp>
+      <p:sp>
+        <p:nvSpPr>
+          <p:cNvPr id="6" name="テキスト ボックス 5"/>
+          <p:cNvSpPr txBox="1"/>
+          <p:nvPr/>
+        </p:nvSpPr>
+        <p:spPr>
+          <a:xfrm>
+            <a:off x="588963" y="4162677"/>
+            <a:ext cx="1163781" cy="461665"/>
+          </a:xfrm>
+          <a:prstGeom prst="rect">
+            <a:avLst/>
+          </a:prstGeom>
+          <a:noFill/>
+        </p:spPr>
+        <p:txBody>
+          <a:bodyPr wrap="square" rtlCol="0">
+            <a:spAutoFit/>
+          </a:bodyPr>
+          <a:lstStyle/>
+          <a:p>
+            <a:r>
+              <a:rPr lang="en-US" altLang="ja-JP" sz="2400" dirty="0" smtClean="0"/>
+              <a:t>Point2</a:t>
+            </a:r>
+          </a:p>
+        </p:txBody>
+      </p:sp>
+      <p:sp>
+        <p:nvSpPr>
+          <p:cNvPr id="7" name="テキスト ボックス 6"/>
+          <p:cNvSpPr txBox="1"/>
+          <p:nvPr/>
+        </p:nvSpPr>
+        <p:spPr>
+          <a:xfrm>
+            <a:off x="1752743" y="4121586"/>
+            <a:ext cx="10282844" cy="646331"/>
+          </a:xfrm>
+          <a:prstGeom prst="rect">
+            <a:avLst/>
+          </a:prstGeom>
+          <a:noFill/>
+        </p:spPr>
+        <p:txBody>
+          <a:bodyPr wrap="square" rtlCol="0">
+            <a:spAutoFit/>
+          </a:bodyPr>
+          <a:lstStyle/>
+          <a:p>
+            <a:r>
+              <a:rPr kumimoji="1" lang="ja-JP" altLang="en-US" sz="2000" dirty="0" smtClean="0"/>
+              <a:t>ネコ特有のかわいい攻撃モーション</a:t>
+            </a:r>
+            <a:endParaRPr kumimoji="1" lang="en-US" altLang="ja-JP" sz="2000" dirty="0" smtClean="0"/>
+          </a:p>
+          <a:p>
+            <a:r>
+              <a:rPr kumimoji="1" lang="ja-JP" altLang="en-US" sz="1600" dirty="0" smtClean="0"/>
+              <a:t>～ひっかくなど、声で攻撃などかわいいモーション～</a:t>
+            </a:r>
+            <a:endParaRPr kumimoji="1" lang="ja-JP" altLang="en-US" sz="1600" dirty="0"/>
+          </a:p>
+        </p:txBody>
+      </p:sp>
+      <p:sp>
+        <p:nvSpPr>
+          <p:cNvPr id="8" name="テキスト ボックス 7"/>
+          <p:cNvSpPr txBox="1"/>
+          <p:nvPr/>
+        </p:nvSpPr>
+        <p:spPr>
+          <a:xfrm>
+            <a:off x="588962" y="5154915"/>
+            <a:ext cx="1163781" cy="461665"/>
+          </a:xfrm>
+          <a:prstGeom prst="rect">
+            <a:avLst/>
+          </a:prstGeom>
+          <a:noFill/>
+        </p:spPr>
+        <p:txBody>
+          <a:bodyPr wrap="square" rtlCol="0">
+            <a:spAutoFit/>
+          </a:bodyPr>
+          <a:lstStyle/>
+          <a:p>
+            <a:r>
+              <a:rPr lang="en-US" altLang="ja-JP" sz="2400" dirty="0" smtClean="0"/>
+              <a:t>Point3</a:t>
+            </a:r>
+          </a:p>
+        </p:txBody>
+      </p:sp>
+      <p:sp>
+        <p:nvSpPr>
+          <p:cNvPr id="9" name="テキスト ボックス 8"/>
+          <p:cNvSpPr txBox="1"/>
+          <p:nvPr/>
+        </p:nvSpPr>
+        <p:spPr>
+          <a:xfrm>
+            <a:off x="1752743" y="5169458"/>
+            <a:ext cx="10282844" cy="646331"/>
+          </a:xfrm>
+          <a:prstGeom prst="rect">
+            <a:avLst/>
+          </a:prstGeom>
+          <a:noFill/>
+        </p:spPr>
+        <p:txBody>
+          <a:bodyPr wrap="square" rtlCol="0">
+            <a:spAutoFit/>
+          </a:bodyPr>
+          <a:lstStyle/>
+          <a:p>
+            <a:r>
+              <a:rPr kumimoji="1" lang="en-US" altLang="ja-JP" sz="2000" dirty="0" smtClean="0"/>
+              <a:t>2</a:t>
+            </a:r>
+            <a:r>
+              <a:rPr kumimoji="1" lang="ja-JP" altLang="en-US" sz="2000" dirty="0" smtClean="0"/>
+              <a:t>人協力プレイ</a:t>
+            </a:r>
+            <a:endParaRPr kumimoji="1" lang="en-US" altLang="ja-JP" sz="2000" dirty="0" smtClean="0"/>
+          </a:p>
+          <a:p>
+            <a:r>
+              <a:rPr kumimoji="1" lang="ja-JP" altLang="en-US" sz="1600" dirty="0" smtClean="0"/>
+              <a:t>～両方初心者でも協力してお菓子の場所まで～</a:t>
+            </a:r>
+            <a:endParaRPr kumimoji="1" lang="ja-JP" altLang="en-US" sz="1600" dirty="0"/>
+          </a:p>
+        </p:txBody>
+      </p:sp>
+    </p:spTree>
+    <p:extLst>
+      <p:ext uri="{BB962C8B-B14F-4D97-AF65-F5344CB8AC3E}">
+        <p14:creationId xmlns:p14="http://schemas.microsoft.com/office/powerpoint/2010/main" val="1889411587"/>
+      </p:ext>
+    </p:extLst>
+  </p:cSld>
+  <p:clrMapOvr>
+    <a:masterClrMapping/>
+  </p:clrMapOvr>
+</p:sld>
+</file>
+
+<file path=ppt/slides/slide5.xml><?xml version="1.0" encoding="utf-8"?>
+<p:sld xmlns:a="http://schemas.openxmlformats.org/drawingml/2006/main" xmlns:r="http://schemas.openxmlformats.org/officeDocument/2006/relationships" xmlns:p="http://schemas.openxmlformats.org/presentationml/2006/main">
+  <p:cSld>
+    <p:spTree>
+      <p:nvGrpSpPr>
+        <p:cNvPr id="1" name=""/>
+        <p:cNvGrpSpPr/>
+        <p:nvPr/>
+      </p:nvGrpSpPr>
+      <p:grpSpPr>
+        <a:xfrm>
+          <a:off x="0" y="0"/>
+          <a:ext cx="0" cy="0"/>
+          <a:chOff x="0" y="0"/>
+          <a:chExt cx="0" cy="0"/>
+        </a:xfrm>
+      </p:grpSpPr>
+      <p:sp>
+        <p:nvSpPr>
+          <p:cNvPr id="2" name="タイトル 1"/>
+          <p:cNvSpPr>
+            <a:spLocks noGrp="1"/>
+          </p:cNvSpPr>
+          <p:nvPr>
+            <p:ph type="title"/>
+          </p:nvPr>
+        </p:nvSpPr>
+        <p:spPr/>
+        <p:txBody>
+          <a:bodyPr/>
+          <a:lstStyle/>
+          <a:p>
+            <a:r>
+              <a:rPr kumimoji="1" lang="ja-JP" altLang="en-US" dirty="0" smtClean="0"/>
+              <a:t>世界観とゲームの目的</a:t>
+            </a:r>
+            <a:endParaRPr kumimoji="1" lang="ja-JP" altLang="en-US" dirty="0"/>
+          </a:p>
+        </p:txBody>
+      </p:sp>
+      <p:sp>
+        <p:nvSpPr>
+          <p:cNvPr id="3" name="コンテンツ プレースホルダー 2"/>
+          <p:cNvSpPr>
+            <a:spLocks noGrp="1"/>
+          </p:cNvSpPr>
+          <p:nvPr>
+            <p:ph idx="1"/>
+          </p:nvPr>
+        </p:nvSpPr>
+        <p:spPr>
+          <a:xfrm>
+            <a:off x="742198" y="1853247"/>
+            <a:ext cx="9166573" cy="2860069"/>
+          </a:xfrm>
+        </p:spPr>
+        <p:txBody>
+          <a:bodyPr>
+            <a:noAutofit/>
+          </a:bodyPr>
+          <a:lstStyle/>
+          <a:p>
             <a:r>
               <a:rPr lang="ja-JP" altLang="en-US" dirty="0" smtClean="0"/>
-              <a:t>舞台はとある家、イヌかネコどっちが家の主家を握るか争いが始まる。</a:t>
+              <a:t>舞台はとある家、ネコがおかしを求めて檻から脱走し、行く先にネズミもお菓子に奪いに来ている！</a:t>
             </a:r>
             <a:endParaRPr lang="en-US" altLang="ja-JP" dirty="0" smtClean="0"/>
           </a:p>
@@ -10985,32 +11017,35 @@
               <a:buNone/>
             </a:pPr>
             <a:r>
-              <a:rPr lang="en-US" altLang="ja-JP" dirty="0" smtClean="0"/>
-              <a:t>	</a:t>
+              <a:rPr lang="ja-JP" altLang="en-US" dirty="0"/>
+              <a:t>　</a:t>
             </a:r>
             <a:r>
               <a:rPr lang="ja-JP" altLang="en-US" dirty="0" smtClean="0"/>
-              <a:t>ステージは</a:t>
-            </a:r>
-            <a:r>
-              <a:rPr lang="ja-JP" altLang="en-US" dirty="0" smtClean="0">
+              <a:t>　　ステージは少し迷路風で</a:t>
+            </a:r>
+            <a:r>
+              <a:rPr lang="ja-JP" altLang="en-US" b="1" dirty="0" smtClean="0">
+                <a:ln w="6600">
+                  <a:solidFill>
+                    <a:schemeClr val="accent2"/>
+                  </a:solidFill>
+                  <a:prstDash val="solid"/>
+                </a:ln>
                 <a:solidFill>
-                  <a:srgbClr val="FF0000"/>
+                  <a:srgbClr val="FFFFFF"/>
                 </a:solidFill>
+                <a:effectLst>
+                  <a:outerShdw dist="38100" dir="2700000" algn="tl" rotWithShape="0">
+                    <a:schemeClr val="accent2"/>
+                  </a:outerShdw>
+                </a:effectLst>
               </a:rPr>
-              <a:t>家のリビング</a:t>
+              <a:t>家の檻から別の部屋のお菓子があるところまで</a:t>
             </a:r>
             <a:r>
               <a:rPr lang="ja-JP" altLang="en-US" dirty="0" smtClean="0"/>
-              <a:t>をイメージし、人型のイヌとネコが武器を</a:t>
-            </a:r>
-            <a:r>
-              <a:rPr lang="en-US" altLang="ja-JP" dirty="0"/>
-              <a:t>	</a:t>
-            </a:r>
-            <a:r>
-              <a:rPr lang="ja-JP" altLang="en-US" dirty="0" smtClean="0"/>
-              <a:t>持って戦いあう。</a:t>
+              <a:t>をイメージし、ネコがひっかく、声などかわいい攻撃でネズミを駆除する</a:t>
             </a:r>
             <a:endParaRPr lang="en-US" altLang="ja-JP" dirty="0" smtClean="0"/>
           </a:p>
@@ -11027,27 +11062,15 @@
             </a:r>
             <a:r>
               <a:rPr lang="ja-JP" altLang="en-US" dirty="0" smtClean="0"/>
-              <a:t>対</a:t>
+              <a:t>人協力プレイで、協力しながらネズミを倒し、ゴールまで着いたらクリア体力制であり、</a:t>
             </a:r>
             <a:r>
               <a:rPr lang="en-US" altLang="ja-JP" dirty="0" smtClean="0"/>
-              <a:t>2</a:t>
+              <a:t>HP</a:t>
             </a:r>
             <a:r>
               <a:rPr lang="ja-JP" altLang="en-US" dirty="0" smtClean="0"/>
-              <a:t>対戦で</a:t>
-            </a:r>
-            <a:r>
-              <a:rPr lang="ja-JP" altLang="en-US" dirty="0" smtClean="0">
-                <a:solidFill>
-                  <a:srgbClr val="FFFF00"/>
-                </a:solidFill>
-              </a:rPr>
-              <a:t>チームデスマッチ形式</a:t>
-            </a:r>
-            <a:r>
-              <a:rPr lang="ja-JP" altLang="en-US" dirty="0" smtClean="0"/>
-              <a:t>、武器を使って一定数の数に到達したチームが勝利する。時間制限があり、数に達しなくても倒した数の多い方が勝利する。</a:t>
+              <a:t>がどちらもなくなると、クリア失敗になる</a:t>
             </a:r>
             <a:endParaRPr lang="en-US" altLang="ja-JP" dirty="0" smtClean="0"/>
           </a:p>
@@ -11126,7 +11149,7 @@
 </p:sld>
 </file>
 
-<file path=ppt/slides/slide5.xml><?xml version="1.0" encoding="utf-8"?>
+<file path=ppt/slides/slide6.xml><?xml version="1.0" encoding="utf-8"?>
 <p:sld xmlns:a="http://schemas.openxmlformats.org/drawingml/2006/main" xmlns:r="http://schemas.openxmlformats.org/officeDocument/2006/relationships" xmlns:p="http://schemas.openxmlformats.org/presentationml/2006/main">
   <p:cSld>
     <p:spTree>
@@ -11254,15 +11277,7 @@
             <a:pPr algn="ctr"/>
             <a:r>
               <a:rPr kumimoji="1" lang="ja-JP" altLang="en-US" dirty="0" smtClean="0"/>
-              <a:t>お金表示</a:t>
-            </a:r>
-            <a:r>
-              <a:rPr kumimoji="1" lang="ja-JP" altLang="en-US" dirty="0" err="1" smtClean="0"/>
-              <a:t>ぶ</a:t>
-            </a:r>
-            <a:r>
-              <a:rPr kumimoji="1" lang="ja-JP" altLang="en-US" dirty="0" smtClean="0"/>
-              <a:t>き</a:t>
+              <a:t>アイテム</a:t>
             </a:r>
             <a:endParaRPr kumimoji="1" lang="ja-JP" altLang="en-US" dirty="0"/>
           </a:p>
@@ -11321,7 +11336,7 @@
         <p:spPr>
           <a:xfrm>
             <a:off x="8963151" y="1567934"/>
-            <a:ext cx="2734887" cy="738664"/>
+            <a:ext cx="2734887" cy="523220"/>
           </a:xfrm>
           <a:prstGeom prst="rect">
             <a:avLst/>
@@ -11351,20 +11366,17 @@
                   <a:srgbClr val="FFC000"/>
                 </a:solidFill>
               </a:rPr>
-              <a:t>無くなると</a:t>
-            </a:r>
-            <a:r>
-              <a:rPr kumimoji="1" lang="ja-JP" altLang="en-US" sz="1400" dirty="0" smtClean="0"/>
-              <a:t>プレイヤー</a:t>
+              <a:t>無くなる</a:t>
+            </a:r>
+            <a:r>
+              <a:rPr kumimoji="1" lang="ja-JP" altLang="en-US" sz="1400" dirty="0" smtClean="0">
+                <a:solidFill>
+                  <a:srgbClr val="FFC000"/>
+                </a:solidFill>
+              </a:rPr>
+              <a:t>と</a:t>
             </a:r>
             <a:endParaRPr kumimoji="1" lang="en-US" altLang="ja-JP" sz="1400" dirty="0" smtClean="0"/>
-          </a:p>
-          <a:p>
-            <a:r>
-              <a:rPr kumimoji="1" lang="ja-JP" altLang="en-US" sz="1400" dirty="0" smtClean="0"/>
-              <a:t>リス地点からリスポーン</a:t>
-            </a:r>
-            <a:endParaRPr kumimoji="1" lang="ja-JP" altLang="en-US" sz="1400" dirty="0"/>
           </a:p>
         </p:txBody>
       </p:sp>
@@ -11462,100 +11474,6 @@
     <p:extLst>
       <p:ext uri="{BB962C8B-B14F-4D97-AF65-F5344CB8AC3E}">
         <p14:creationId xmlns:p14="http://schemas.microsoft.com/office/powerpoint/2010/main" val="938638636"/>
-      </p:ext>
-    </p:extLst>
-  </p:cSld>
-  <p:clrMapOvr>
-    <a:masterClrMapping/>
-  </p:clrMapOvr>
-</p:sld>
-</file>
-
-<file path=ppt/slides/slide6.xml><?xml version="1.0" encoding="utf-8"?>
-<p:sld xmlns:a="http://schemas.openxmlformats.org/drawingml/2006/main" xmlns:r="http://schemas.openxmlformats.org/officeDocument/2006/relationships" xmlns:p="http://schemas.openxmlformats.org/presentationml/2006/main">
-  <p:cSld>
-    <p:spTree>
-      <p:nvGrpSpPr>
-        <p:cNvPr id="1" name=""/>
-        <p:cNvGrpSpPr/>
-        <p:nvPr/>
-      </p:nvGrpSpPr>
-      <p:grpSpPr>
-        <a:xfrm>
-          <a:off x="0" y="0"/>
-          <a:ext cx="0" cy="0"/>
-          <a:chOff x="0" y="0"/>
-          <a:chExt cx="0" cy="0"/>
-        </a:xfrm>
-      </p:grpSpPr>
-      <p:sp>
-        <p:nvSpPr>
-          <p:cNvPr id="2" name="タイトル 1"/>
-          <p:cNvSpPr>
-            <a:spLocks noGrp="1"/>
-          </p:cNvSpPr>
-          <p:nvPr>
-            <p:ph type="title"/>
-          </p:nvPr>
-        </p:nvSpPr>
-        <p:spPr>
-          <a:xfrm>
-            <a:off x="646111" y="452718"/>
-            <a:ext cx="9404723" cy="780659"/>
-          </a:xfrm>
-        </p:spPr>
-        <p:txBody>
-          <a:bodyPr/>
-          <a:lstStyle/>
-          <a:p>
-            <a:r>
-              <a:rPr kumimoji="1" lang="ja-JP" altLang="en-US" dirty="0" smtClean="0"/>
-              <a:t>ゲーム</a:t>
-            </a:r>
-            <a:r>
-              <a:rPr lang="ja-JP" altLang="en-US" dirty="0"/>
-              <a:t>システム</a:t>
-            </a:r>
-            <a:r>
-              <a:rPr kumimoji="1" lang="ja-JP" altLang="en-US" dirty="0" smtClean="0"/>
-              <a:t>１　　　</a:t>
-            </a:r>
-            <a:endParaRPr kumimoji="1" lang="ja-JP" altLang="en-US" dirty="0"/>
-          </a:p>
-        </p:txBody>
-      </p:sp>
-      <p:sp>
-        <p:nvSpPr>
-          <p:cNvPr id="3" name="コンテンツ プレースホルダー 2"/>
-          <p:cNvSpPr>
-            <a:spLocks noGrp="1"/>
-          </p:cNvSpPr>
-          <p:nvPr>
-            <p:ph idx="1"/>
-          </p:nvPr>
-        </p:nvSpPr>
-        <p:spPr>
-          <a:xfrm>
-            <a:off x="838200" y="1429788"/>
-            <a:ext cx="10515600" cy="5428211"/>
-          </a:xfrm>
-        </p:spPr>
-        <p:txBody>
-          <a:bodyPr/>
-          <a:lstStyle/>
-          <a:p>
-            <a:r>
-              <a:rPr lang="ja-JP" altLang="en-US" dirty="0" smtClean="0"/>
-              <a:t>ああ</a:t>
-            </a:r>
-            <a:endParaRPr lang="en-US" altLang="ja-JP" dirty="0"/>
-          </a:p>
-        </p:txBody>
-      </p:sp>
-    </p:spTree>
-    <p:extLst>
-      <p:ext uri="{BB962C8B-B14F-4D97-AF65-F5344CB8AC3E}">
-        <p14:creationId xmlns:p14="http://schemas.microsoft.com/office/powerpoint/2010/main" val="2325001532"/>
       </p:ext>
     </p:extLst>
   </p:cSld>
@@ -11594,6 +11512,100 @@
         </p:nvSpPr>
         <p:spPr>
           <a:xfrm>
+            <a:off x="646111" y="452718"/>
+            <a:ext cx="9404723" cy="780659"/>
+          </a:xfrm>
+        </p:spPr>
+        <p:txBody>
+          <a:bodyPr/>
+          <a:lstStyle/>
+          <a:p>
+            <a:r>
+              <a:rPr kumimoji="1" lang="ja-JP" altLang="en-US" dirty="0" smtClean="0"/>
+              <a:t>ゲーム</a:t>
+            </a:r>
+            <a:r>
+              <a:rPr lang="ja-JP" altLang="en-US" dirty="0"/>
+              <a:t>システム</a:t>
+            </a:r>
+            <a:r>
+              <a:rPr kumimoji="1" lang="ja-JP" altLang="en-US" dirty="0" smtClean="0"/>
+              <a:t>１　　　</a:t>
+            </a:r>
+            <a:endParaRPr kumimoji="1" lang="ja-JP" altLang="en-US" dirty="0"/>
+          </a:p>
+        </p:txBody>
+      </p:sp>
+      <p:sp>
+        <p:nvSpPr>
+          <p:cNvPr id="3" name="コンテンツ プレースホルダー 2"/>
+          <p:cNvSpPr>
+            <a:spLocks noGrp="1"/>
+          </p:cNvSpPr>
+          <p:nvPr>
+            <p:ph idx="1"/>
+          </p:nvPr>
+        </p:nvSpPr>
+        <p:spPr>
+          <a:xfrm>
+            <a:off x="838200" y="1429788"/>
+            <a:ext cx="10515600" cy="5428211"/>
+          </a:xfrm>
+        </p:spPr>
+        <p:txBody>
+          <a:bodyPr/>
+          <a:lstStyle/>
+          <a:p>
+            <a:r>
+              <a:rPr lang="ja-JP" altLang="en-US" dirty="0" smtClean="0"/>
+              <a:t>ああ</a:t>
+            </a:r>
+            <a:endParaRPr lang="en-US" altLang="ja-JP" dirty="0"/>
+          </a:p>
+        </p:txBody>
+      </p:sp>
+    </p:spTree>
+    <p:extLst>
+      <p:ext uri="{BB962C8B-B14F-4D97-AF65-F5344CB8AC3E}">
+        <p14:creationId xmlns:p14="http://schemas.microsoft.com/office/powerpoint/2010/main" val="2325001532"/>
+      </p:ext>
+    </p:extLst>
+  </p:cSld>
+  <p:clrMapOvr>
+    <a:masterClrMapping/>
+  </p:clrMapOvr>
+</p:sld>
+</file>
+
+<file path=ppt/slides/slide8.xml><?xml version="1.0" encoding="utf-8"?>
+<p:sld xmlns:a="http://schemas.openxmlformats.org/drawingml/2006/main" xmlns:r="http://schemas.openxmlformats.org/officeDocument/2006/relationships" xmlns:p="http://schemas.openxmlformats.org/presentationml/2006/main">
+  <p:cSld>
+    <p:spTree>
+      <p:nvGrpSpPr>
+        <p:cNvPr id="1" name=""/>
+        <p:cNvGrpSpPr/>
+        <p:nvPr/>
+      </p:nvGrpSpPr>
+      <p:grpSpPr>
+        <a:xfrm>
+          <a:off x="0" y="0"/>
+          <a:ext cx="0" cy="0"/>
+          <a:chOff x="0" y="0"/>
+          <a:chExt cx="0" cy="0"/>
+        </a:xfrm>
+      </p:grpSpPr>
+      <p:sp>
+        <p:nvSpPr>
+          <p:cNvPr id="2" name="タイトル 1"/>
+          <p:cNvSpPr>
+            <a:spLocks noGrp="1"/>
+          </p:cNvSpPr>
+          <p:nvPr>
+            <p:ph type="title"/>
+          </p:nvPr>
+        </p:nvSpPr>
+        <p:spPr>
+          <a:xfrm>
             <a:off x="522286" y="443193"/>
             <a:ext cx="9404723" cy="1400530"/>
           </a:xfrm>
@@ -11740,7 +11752,7 @@
 </p:sld>
 </file>
 
-<file path=ppt/slides/slide8.xml><?xml version="1.0" encoding="utf-8"?>
+<file path=ppt/slides/slide9.xml><?xml version="1.0" encoding="utf-8"?>
 <p:sld xmlns:a="http://schemas.openxmlformats.org/drawingml/2006/main" xmlns:r="http://schemas.openxmlformats.org/officeDocument/2006/relationships" xmlns:p="http://schemas.openxmlformats.org/presentationml/2006/main">
   <p:cSld>
     <p:spTree>
